--- a/11. A magyar nép vándorlása térkép alapján. A honfoglalás.pptx
+++ b/11. A magyar nép vándorlása térkép alapján. A honfoglalás.pptx
@@ -3620,13 +3620,19 @@
             <p:ph type="title"/>
           </p:nvPr>
         </p:nvSpPr>
-        <p:spPr/>
+        <p:spPr>
+          <a:xfrm>
+            <a:off x="4234544" y="365125"/>
+            <a:ext cx="7027506" cy="1325563"/>
+          </a:xfrm>
+        </p:spPr>
         <p:txBody>
           <a:bodyPr/>
           <a:lstStyle/>
           <a:p>
-            <a:r>
-              <a:rPr lang="hu-HU" b="1" dirty="0">
+            <a:pPr algn="just"/>
+            <a:r>
+              <a:rPr lang="hu-HU" b="1">
                 <a:solidFill>
                   <a:schemeClr val="accent6">
                     <a:lumMod val="75000"/>
@@ -3635,6 +3641,13 @@
               </a:rPr>
               <a:t>Korai letelepedések</a:t>
             </a:r>
+            <a:endParaRPr lang="hu-HU" b="1" dirty="0">
+              <a:solidFill>
+                <a:schemeClr val="accent6">
+                  <a:lumMod val="75000"/>
+                </a:schemeClr>
+              </a:solidFill>
+            </a:endParaRPr>
           </a:p>
         </p:txBody>
       </p:sp>
@@ -3654,65 +3667,75 @@
             <p:ph idx="1"/>
           </p:nvPr>
         </p:nvSpPr>
-        <p:spPr/>
-        <p:txBody>
-          <a:bodyPr/>
-          <a:lstStyle/>
-          <a:p>
+        <p:spPr>
+          <a:xfrm>
+            <a:off x="4234544" y="1825624"/>
+            <a:ext cx="7027506" cy="5032375"/>
+          </a:xfrm>
+        </p:spPr>
+        <p:txBody>
+          <a:bodyPr>
+            <a:normAutofit/>
+          </a:bodyPr>
+          <a:lstStyle/>
+          <a:p>
+            <a:pPr algn="just"/>
             <a:r>
               <a:rPr lang="hu-HU" dirty="0"/>
               <a:t>Magyar őshaza (Magna Hungaria):</a:t>
             </a:r>
           </a:p>
           <a:p>
-            <a:pPr lvl="1"/>
+            <a:pPr lvl="1" algn="just"/>
             <a:r>
               <a:rPr lang="hu-HU" dirty="0"/>
               <a:t>Kr. előtt 1500-ban élt a magyarság</a:t>
             </a:r>
           </a:p>
           <a:p>
+            <a:pPr algn="just"/>
             <a:r>
               <a:rPr lang="hu-HU" dirty="0"/>
               <a:t>Levédia (Baskíria):</a:t>
             </a:r>
           </a:p>
           <a:p>
-            <a:pPr lvl="1"/>
+            <a:pPr lvl="1" algn="just"/>
             <a:r>
               <a:rPr lang="hu-HU" dirty="0"/>
               <a:t>Kazár Birodalom alatt éltek, alárendelt helyzetben</a:t>
             </a:r>
           </a:p>
           <a:p>
-            <a:pPr lvl="1"/>
+            <a:pPr lvl="1" algn="just"/>
             <a:r>
               <a:rPr lang="hu-HU" dirty="0"/>
               <a:t>Megismerték a letelepedett életmód néhány gazdasági elemét</a:t>
             </a:r>
           </a:p>
           <a:p>
+            <a:pPr algn="just"/>
             <a:r>
               <a:rPr lang="hu-HU" dirty="0"/>
               <a:t>Etelköz:</a:t>
             </a:r>
           </a:p>
           <a:p>
-            <a:pPr lvl="1"/>
+            <a:pPr lvl="1" algn="just"/>
             <a:r>
               <a:rPr lang="hu-HU" dirty="0"/>
               <a:t>Magyarság nomád állattartással foglalkozott.</a:t>
             </a:r>
           </a:p>
           <a:p>
-            <a:pPr lvl="1"/>
+            <a:pPr lvl="1" algn="just"/>
             <a:r>
               <a:rPr lang="hu-HU" dirty="0"/>
               <a:t>Terület hiányossága: katonailag nem védhető.</a:t>
             </a:r>
           </a:p>
           <a:p>
-            <a:pPr lvl="1"/>
+            <a:pPr lvl="1" algn="just"/>
             <a:r>
               <a:rPr lang="hu-HU" dirty="0"/>
               <a:t>"Kalandozások" innen indultak, rablóhadjáratok formájában.</a:t>
@@ -3722,10 +3745,10 @@
       </p:sp>
       <p:pic>
         <p:nvPicPr>
-          <p:cNvPr id="4" name="Picture 2" descr="A festményen a hét törzsfő a vérszerződés pillanataiban, mindannyian ősi magyar ruhában, legtöbbjük vállán állatbőr kacagány. A középen álló vezér, késsel megsebzett karjából vért csepegtet egy díszes tálkába. ">
-            <a:extLst>
-              <a:ext uri="{FF2B5EF4-FFF2-40B4-BE49-F238E27FC236}">
-                <a16:creationId xmlns:a16="http://schemas.microsoft.com/office/drawing/2014/main" id="{C07D18D2-631A-4BEA-BEDD-7ECB4CD0ABD0}"/>
+          <p:cNvPr id="16" name="Picture 2" descr="A festményen a hét törzsfő a vérszerződés pillanataiban, mindannyian ősi magyar ruhában, legtöbbjük vállán állatbőr kacagány. A középen álló vezér, késsel megsebzett karjából vért csepegtet egy díszes tálkába. ">
+            <a:extLst>
+              <a:ext uri="{FF2B5EF4-FFF2-40B4-BE49-F238E27FC236}">
+                <a16:creationId xmlns:a16="http://schemas.microsoft.com/office/drawing/2014/main" id="{12B24886-1EDB-1E40-8BDC-87211CAF4F7A}"/>
               </a:ext>
             </a:extLst>
           </p:cNvPr>
@@ -3734,7 +3757,7 @@
           </p:cNvPicPr>
           <p:nvPr/>
         </p:nvPicPr>
-        <p:blipFill>
+        <p:blipFill rotWithShape="1">
           <a:blip r:embed="rId2">
             <a:extLst>
               <a:ext uri="{28A0092B-C50C-407E-A947-70E740481C1C}">
@@ -3742,19 +3765,391 @@
               </a:ext>
             </a:extLst>
           </a:blip>
-          <a:srcRect/>
-          <a:stretch>
-            <a:fillRect/>
-          </a:stretch>
+          <a:srcRect l="42272" t="-1" r="21468" b="-1"/>
+          <a:stretch/>
         </p:blipFill>
         <p:spPr bwMode="auto">
           <a:xfrm>
-            <a:off x="6322377" y="3287698"/>
-            <a:ext cx="5869623" cy="3570302"/>
+            <a:off x="0" y="0"/>
+            <a:ext cx="4093197" cy="6857990"/>
           </a:xfrm>
-          <a:prstGeom prst="rect">
+          <a:custGeom>
             <a:avLst/>
-          </a:prstGeom>
+            <a:gdLst/>
+            <a:ahLst/>
+            <a:cxnLst/>
+            <a:rect l="l" t="t" r="r" b="b"/>
+            <a:pathLst>
+              <a:path w="6901731" h="6858000">
+                <a:moveTo>
+                  <a:pt x="0" y="0"/>
+                </a:moveTo>
+                <a:lnTo>
+                  <a:pt x="6897896" y="5958"/>
+                </a:lnTo>
+                <a:lnTo>
+                  <a:pt x="6866823" y="62592"/>
+                </a:lnTo>
+                <a:lnTo>
+                  <a:pt x="6901731" y="89476"/>
+                </a:lnTo>
+                <a:lnTo>
+                  <a:pt x="6901731" y="103833"/>
+                </a:lnTo>
+                <a:lnTo>
+                  <a:pt x="6900034" y="110092"/>
+                </a:lnTo>
+                <a:lnTo>
+                  <a:pt x="6901731" y="113679"/>
+                </a:lnTo>
+                <a:lnTo>
+                  <a:pt x="6901731" y="405560"/>
+                </a:lnTo>
+                <a:lnTo>
+                  <a:pt x="6900456" y="429509"/>
+                </a:lnTo>
+                <a:cubicBezTo>
+                  <a:pt x="6892773" y="535647"/>
+                  <a:pt x="6878314" y="537918"/>
+                  <a:pt x="6886342" y="636808"/>
+                </a:cubicBezTo>
+                <a:cubicBezTo>
+                  <a:pt x="6892506" y="756883"/>
+                  <a:pt x="6864504" y="771443"/>
+                  <a:pt x="6851784" y="839073"/>
+                </a:cubicBezTo>
+                <a:cubicBezTo>
+                  <a:pt x="6838675" y="892655"/>
+                  <a:pt x="6864124" y="961738"/>
+                  <a:pt x="6845760" y="994930"/>
+                </a:cubicBezTo>
+                <a:cubicBezTo>
+                  <a:pt x="6833572" y="1024166"/>
+                  <a:pt x="6859282" y="1058905"/>
+                  <a:pt x="6845601" y="1112932"/>
+                </a:cubicBezTo>
+                <a:cubicBezTo>
+                  <a:pt x="6838700" y="1149910"/>
+                  <a:pt x="6829138" y="1151035"/>
+                  <a:pt x="6820235" y="1187433"/>
+                </a:cubicBezTo>
+                <a:cubicBezTo>
+                  <a:pt x="6815504" y="1196464"/>
+                  <a:pt x="6777707" y="1338549"/>
+                  <a:pt x="6759643" y="1337010"/>
+                </a:cubicBezTo>
+                <a:cubicBezTo>
+                  <a:pt x="6737660" y="1337296"/>
+                  <a:pt x="6760650" y="1396341"/>
+                  <a:pt x="6736375" y="1382272"/>
+                </a:cubicBezTo>
+                <a:cubicBezTo>
+                  <a:pt x="6755741" y="1415836"/>
+                  <a:pt x="6714675" y="1414567"/>
+                  <a:pt x="6701292" y="1432111"/>
+                </a:cubicBezTo>
+                <a:cubicBezTo>
+                  <a:pt x="6721110" y="1460185"/>
+                  <a:pt x="6692106" y="1490815"/>
+                  <a:pt x="6686578" y="1518624"/>
+                </a:cubicBezTo>
+                <a:cubicBezTo>
+                  <a:pt x="6682512" y="1567002"/>
+                  <a:pt x="6679579" y="1571443"/>
+                  <a:pt x="6670824" y="1607743"/>
+                </a:cubicBezTo>
+                <a:cubicBezTo>
+                  <a:pt x="6671133" y="1629590"/>
+                  <a:pt x="6663161" y="1656870"/>
+                  <a:pt x="6664392" y="1696405"/>
+                </a:cubicBezTo>
+                <a:cubicBezTo>
+                  <a:pt x="6655686" y="1770486"/>
+                  <a:pt x="6641938" y="1757082"/>
+                  <a:pt x="6642880" y="1812372"/>
+                </a:cubicBezTo>
+                <a:cubicBezTo>
+                  <a:pt x="6638579" y="1872475"/>
+                  <a:pt x="6619231" y="1825476"/>
+                  <a:pt x="6612547" y="1876437"/>
+                </a:cubicBezTo>
+                <a:cubicBezTo>
+                  <a:pt x="6600695" y="1913834"/>
+                  <a:pt x="6591061" y="1923231"/>
+                  <a:pt x="6571760" y="1953331"/>
+                </a:cubicBezTo>
+                <a:cubicBezTo>
+                  <a:pt x="6561039" y="1989021"/>
+                  <a:pt x="6544090" y="2087896"/>
+                  <a:pt x="6520213" y="2096455"/>
+                </a:cubicBezTo>
+                <a:lnTo>
+                  <a:pt x="6492461" y="2188148"/>
+                </a:lnTo>
+                <a:cubicBezTo>
+                  <a:pt x="6504372" y="2211333"/>
+                  <a:pt x="6489131" y="2253220"/>
+                  <a:pt x="6471854" y="2259117"/>
+                </a:cubicBezTo>
+                <a:cubicBezTo>
+                  <a:pt x="6466151" y="2287829"/>
+                  <a:pt x="6440452" y="2301346"/>
+                  <a:pt x="6439832" y="2328334"/>
+                </a:cubicBezTo>
+                <a:cubicBezTo>
+                  <a:pt x="6431013" y="2351201"/>
+                  <a:pt x="6444250" y="2396409"/>
+                  <a:pt x="6425162" y="2408211"/>
+                </a:cubicBezTo>
+                <a:lnTo>
+                  <a:pt x="6417221" y="2427382"/>
+                </a:lnTo>
+                <a:lnTo>
+                  <a:pt x="6425030" y="2464387"/>
+                </a:lnTo>
+                <a:lnTo>
+                  <a:pt x="6406293" y="2472223"/>
+                </a:lnTo>
+                <a:cubicBezTo>
+                  <a:pt x="6406862" y="2477277"/>
+                  <a:pt x="6406486" y="2491723"/>
+                  <a:pt x="6405400" y="2493547"/>
+                </a:cubicBezTo>
+                <a:lnTo>
+                  <a:pt x="6374829" y="2532070"/>
+                </a:lnTo>
+                <a:cubicBezTo>
+                  <a:pt x="6374597" y="2545374"/>
+                  <a:pt x="6360976" y="2563797"/>
+                  <a:pt x="6350864" y="2577422"/>
+                </a:cubicBezTo>
+                <a:cubicBezTo>
+                  <a:pt x="6327056" y="2632768"/>
+                  <a:pt x="6341262" y="2616275"/>
+                  <a:pt x="6329174" y="2663854"/>
+                </a:cubicBezTo>
+                <a:cubicBezTo>
+                  <a:pt x="6326303" y="2703642"/>
+                  <a:pt x="6332854" y="2709643"/>
+                  <a:pt x="6315095" y="2741507"/>
+                </a:cubicBezTo>
+                <a:cubicBezTo>
+                  <a:pt x="6319921" y="2740191"/>
+                  <a:pt x="6321925" y="2742004"/>
+                  <a:pt x="6322463" y="2745641"/>
+                </a:cubicBezTo>
+                <a:cubicBezTo>
+                  <a:pt x="6322245" y="2747982"/>
+                  <a:pt x="6322027" y="2750323"/>
+                  <a:pt x="6321808" y="2752663"/>
+                </a:cubicBezTo>
+                <a:lnTo>
+                  <a:pt x="6314569" y="2756718"/>
+                </a:lnTo>
+                <a:cubicBezTo>
+                  <a:pt x="6289324" y="2773686"/>
+                  <a:pt x="6317551" y="2780051"/>
+                  <a:pt x="6315211" y="2811618"/>
+                </a:cubicBezTo>
+                <a:cubicBezTo>
+                  <a:pt x="6315620" y="2826627"/>
+                  <a:pt x="6296047" y="2885298"/>
+                  <a:pt x="6302211" y="2882314"/>
+                </a:cubicBezTo>
+                <a:lnTo>
+                  <a:pt x="6286167" y="2949597"/>
+                </a:lnTo>
+                <a:cubicBezTo>
+                  <a:pt x="6286401" y="2994618"/>
+                  <a:pt x="6286615" y="2971464"/>
+                  <a:pt x="6287037" y="3008578"/>
+                </a:cubicBezTo>
+                <a:cubicBezTo>
+                  <a:pt x="6293795" y="3029535"/>
+                  <a:pt x="6274405" y="3114154"/>
+                  <a:pt x="6259150" y="3123139"/>
+                </a:cubicBezTo>
+                <a:cubicBezTo>
+                  <a:pt x="6250085" y="3189063"/>
+                  <a:pt x="6269067" y="3151280"/>
+                  <a:pt x="6272249" y="3227854"/>
+                </a:cubicBezTo>
+                <a:cubicBezTo>
+                  <a:pt x="6278775" y="3295842"/>
+                  <a:pt x="6289216" y="3303765"/>
+                  <a:pt x="6292288" y="3378383"/>
+                </a:cubicBezTo>
+                <a:cubicBezTo>
+                  <a:pt x="6303894" y="3395995"/>
+                  <a:pt x="6287498" y="3432581"/>
+                  <a:pt x="6288328" y="3459618"/>
+                </a:cubicBezTo>
+                <a:cubicBezTo>
+                  <a:pt x="6289158" y="3486653"/>
+                  <a:pt x="6299937" y="3538735"/>
+                  <a:pt x="6297272" y="3540603"/>
+                </a:cubicBezTo>
+                <a:cubicBezTo>
+                  <a:pt x="6296849" y="3577379"/>
+                  <a:pt x="6294184" y="3587943"/>
+                  <a:pt x="6291001" y="3638374"/>
+                </a:cubicBezTo>
+                <a:cubicBezTo>
+                  <a:pt x="6283026" y="3666794"/>
+                  <a:pt x="6265833" y="3731744"/>
+                  <a:pt x="6283592" y="3763609"/>
+                </a:cubicBezTo>
+                <a:cubicBezTo>
+                  <a:pt x="6264286" y="3758340"/>
+                  <a:pt x="6290177" y="3803150"/>
+                  <a:pt x="6274068" y="3814506"/>
+                </a:cubicBezTo>
+                <a:cubicBezTo>
+                  <a:pt x="6260645" y="3821643"/>
+                  <a:pt x="6265372" y="3836902"/>
+                  <a:pt x="6262850" y="3850454"/>
+                </a:cubicBezTo>
+                <a:cubicBezTo>
+                  <a:pt x="6250418" y="3863479"/>
+                  <a:pt x="6250660" y="3955243"/>
+                  <a:pt x="6257357" y="3975474"/>
+                </a:cubicBezTo>
+                <a:cubicBezTo>
+                  <a:pt x="6245091" y="4036737"/>
+                  <a:pt x="6237535" y="4029237"/>
+                  <a:pt x="6257889" y="4073155"/>
+                </a:cubicBezTo>
+                <a:cubicBezTo>
+                  <a:pt x="6259272" y="4085906"/>
+                  <a:pt x="6239882" y="4116397"/>
+                  <a:pt x="6237441" y="4126638"/>
+                </a:cubicBezTo>
+                <a:lnTo>
+                  <a:pt x="6245587" y="4172738"/>
+                </a:lnTo>
+                <a:lnTo>
+                  <a:pt x="6235772" y="4176721"/>
+                </a:lnTo>
+                <a:lnTo>
+                  <a:pt x="6233287" y="4195136"/>
+                </a:lnTo>
+                <a:lnTo>
+                  <a:pt x="6234619" y="4280850"/>
+                </a:lnTo>
+                <a:cubicBezTo>
+                  <a:pt x="6239453" y="4320763"/>
+                  <a:pt x="6223309" y="4337596"/>
+                  <a:pt x="6219318" y="4402526"/>
+                </a:cubicBezTo>
+                <a:cubicBezTo>
+                  <a:pt x="6205466" y="4516209"/>
+                  <a:pt x="6216183" y="4588729"/>
+                  <a:pt x="6216810" y="4651172"/>
+                </a:cubicBezTo>
+                <a:cubicBezTo>
+                  <a:pt x="6217673" y="4756959"/>
+                  <a:pt x="6228654" y="4824005"/>
+                  <a:pt x="6225945" y="4916779"/>
+                </a:cubicBezTo>
+                <a:cubicBezTo>
+                  <a:pt x="6217032" y="4993010"/>
+                  <a:pt x="6264271" y="4984591"/>
+                  <a:pt x="6230174" y="5051379"/>
+                </a:cubicBezTo>
+                <a:cubicBezTo>
+                  <a:pt x="6235713" y="5056951"/>
+                  <a:pt x="6239420" y="5163714"/>
+                  <a:pt x="6242600" y="5170879"/>
+                </a:cubicBezTo>
+                <a:lnTo>
+                  <a:pt x="6235996" y="5216428"/>
+                </a:lnTo>
+                <a:lnTo>
+                  <a:pt x="6214638" y="5285298"/>
+                </a:lnTo>
+                <a:cubicBezTo>
+                  <a:pt x="6211392" y="5297492"/>
+                  <a:pt x="6225576" y="5312063"/>
+                  <a:pt x="6228432" y="5317696"/>
+                </a:cubicBezTo>
+                <a:lnTo>
+                  <a:pt x="6246496" y="5398787"/>
+                </a:lnTo>
+                <a:lnTo>
+                  <a:pt x="6244793" y="5399530"/>
+                </a:lnTo>
+                <a:lnTo>
+                  <a:pt x="6241695" y="5406948"/>
+                </a:lnTo>
+                <a:lnTo>
+                  <a:pt x="6267461" y="5499413"/>
+                </a:lnTo>
+                <a:cubicBezTo>
+                  <a:pt x="6285387" y="5533848"/>
+                  <a:pt x="6284888" y="5550029"/>
+                  <a:pt x="6295987" y="5582659"/>
+                </a:cubicBezTo>
+                <a:cubicBezTo>
+                  <a:pt x="6311253" y="5681724"/>
+                  <a:pt x="6295439" y="5695558"/>
+                  <a:pt x="6364803" y="5784263"/>
+                </a:cubicBezTo>
+                <a:cubicBezTo>
+                  <a:pt x="6379348" y="5818651"/>
+                  <a:pt x="6412475" y="5906802"/>
+                  <a:pt x="6423050" y="5922637"/>
+                </a:cubicBezTo>
+                <a:cubicBezTo>
+                  <a:pt x="6445210" y="5973612"/>
+                  <a:pt x="6468179" y="6023873"/>
+                  <a:pt x="6497767" y="6090108"/>
+                </a:cubicBezTo>
+                <a:cubicBezTo>
+                  <a:pt x="6571895" y="6150548"/>
+                  <a:pt x="6572491" y="6236583"/>
+                  <a:pt x="6606710" y="6281543"/>
+                </a:cubicBezTo>
+                <a:cubicBezTo>
+                  <a:pt x="6633675" y="6335892"/>
+                  <a:pt x="6654357" y="6388782"/>
+                  <a:pt x="6667540" y="6443715"/>
+                </a:cubicBezTo>
+                <a:cubicBezTo>
+                  <a:pt x="6685192" y="6466826"/>
+                  <a:pt x="6650500" y="6508701"/>
+                  <a:pt x="6659722" y="6550105"/>
+                </a:cubicBezTo>
+                <a:cubicBezTo>
+                  <a:pt x="6665926" y="6645044"/>
+                  <a:pt x="6669126" y="6627536"/>
+                  <a:pt x="6671805" y="6687397"/>
+                </a:cubicBezTo>
+                <a:cubicBezTo>
+                  <a:pt x="6682671" y="6733683"/>
+                  <a:pt x="6665210" y="6772117"/>
+                  <a:pt x="6669658" y="6806602"/>
+                </a:cubicBezTo>
+                <a:cubicBezTo>
+                  <a:pt x="6661174" y="6812658"/>
+                  <a:pt x="6667097" y="6831470"/>
+                  <a:pt x="6675783" y="6850325"/>
+                </a:cubicBezTo>
+                <a:lnTo>
+                  <a:pt x="6679704" y="6858000"/>
+                </a:lnTo>
+                <a:lnTo>
+                  <a:pt x="4532241" y="6858000"/>
+                </a:lnTo>
+                <a:lnTo>
+                  <a:pt x="1208596" y="6858000"/>
+                </a:lnTo>
+                <a:lnTo>
+                  <a:pt x="0" y="6858000"/>
+                </a:lnTo>
+                <a:close/>
+              </a:path>
+            </a:pathLst>
+          </a:custGeom>
           <a:noFill/>
           <a:extLst>
             <a:ext uri="{909E8E84-426E-40DD-AFC4-6F175D3DCCD1}">
@@ -3813,13 +4208,18 @@
             <p:ph type="title"/>
           </p:nvPr>
         </p:nvSpPr>
-        <p:spPr/>
+        <p:spPr>
+          <a:xfrm>
+            <a:off x="838201" y="365125"/>
+            <a:ext cx="6878216" cy="1533030"/>
+          </a:xfrm>
+        </p:spPr>
         <p:txBody>
           <a:bodyPr/>
           <a:lstStyle/>
           <a:p>
             <a:r>
-              <a:rPr lang="hu-HU" b="1" dirty="0">
+              <a:rPr lang="hu-HU" b="1">
                 <a:solidFill>
                   <a:schemeClr val="accent6">
                     <a:lumMod val="75000"/>
@@ -3828,6 +4228,13 @@
               </a:rPr>
               <a:t>A honfoglalás és a kalandozások kora</a:t>
             </a:r>
+            <a:endParaRPr lang="hu-HU" b="1" dirty="0">
+              <a:solidFill>
+                <a:schemeClr val="accent6">
+                  <a:lumMod val="75000"/>
+                </a:schemeClr>
+              </a:solidFill>
+            </a:endParaRPr>
           </a:p>
         </p:txBody>
       </p:sp>
@@ -3847,41 +4254,54 @@
             <p:ph idx="1"/>
           </p:nvPr>
         </p:nvSpPr>
-        <p:spPr/>
-        <p:txBody>
-          <a:bodyPr/>
-          <a:lstStyle/>
-          <a:p>
+        <p:spPr>
+          <a:xfrm>
+            <a:off x="838202" y="1825624"/>
+            <a:ext cx="5478622" cy="5032375"/>
+          </a:xfrm>
+        </p:spPr>
+        <p:txBody>
+          <a:bodyPr>
+            <a:normAutofit/>
+          </a:bodyPr>
+          <a:lstStyle/>
+          <a:p>
+            <a:pPr algn="just"/>
             <a:r>
               <a:rPr lang="hu-HU" dirty="0"/>
               <a:t>Magyar seregek részt vettek háborúkban, kalandoztak.</a:t>
             </a:r>
           </a:p>
           <a:p>
+            <a:pPr algn="just"/>
             <a:r>
               <a:rPr lang="hu-HU" dirty="0"/>
               <a:t>Feltérképezték a Kárpát-medencét.</a:t>
             </a:r>
           </a:p>
           <a:p>
+            <a:pPr algn="just"/>
             <a:r>
               <a:rPr lang="hu-HU" dirty="0"/>
               <a:t>Árpád vezérletével 895 tavaszán megkezdődött a Honfoglalás.</a:t>
             </a:r>
           </a:p>
           <a:p>
+            <a:pPr algn="just"/>
             <a:r>
               <a:rPr lang="hu-HU" dirty="0"/>
               <a:t>895-ben a Dunától keletre eső területek magyar kézre kerültek.</a:t>
             </a:r>
           </a:p>
           <a:p>
+            <a:pPr algn="just"/>
             <a:r>
               <a:rPr lang="hu-HU" dirty="0"/>
               <a:t>Kalandozások 955-ig nyugat felé, majd Augsburgnál vereség.</a:t>
             </a:r>
           </a:p>
           <a:p>
+            <a:pPr algn="just"/>
             <a:r>
               <a:rPr lang="hu-HU" dirty="0"/>
               <a:t>970-ig folytatódott a kalandozások kora Bizánc felé.</a:t>
@@ -3891,10 +4311,10 @@
       </p:sp>
       <p:pic>
         <p:nvPicPr>
-          <p:cNvPr id="3076" name="Picture 4" descr="https://remekmuvek.mng.hu/assets/1893-munkacsy-mihaly/honfoglalas/teljes_kep.png">
-            <a:extLst>
-              <a:ext uri="{FF2B5EF4-FFF2-40B4-BE49-F238E27FC236}">
-                <a16:creationId xmlns:a16="http://schemas.microsoft.com/office/drawing/2014/main" id="{80957AA7-8493-4565-8442-354EA0267891}"/>
+          <p:cNvPr id="5" name="Picture 4" descr="https://remekmuvek.mng.hu/assets/1893-munkacsy-mihaly/honfoglalas/teljes_kep.png">
+            <a:extLst>
+              <a:ext uri="{FF2B5EF4-FFF2-40B4-BE49-F238E27FC236}">
+                <a16:creationId xmlns:a16="http://schemas.microsoft.com/office/drawing/2014/main" id="{CFDD5532-4332-5B07-C0D6-D5FCFA1C4106}"/>
               </a:ext>
             </a:extLst>
           </p:cNvPr>
@@ -3903,7 +4323,7 @@
           </p:cNvPicPr>
           <p:nvPr/>
         </p:nvPicPr>
-        <p:blipFill>
+        <p:blipFill rotWithShape="1">
           <a:blip r:embed="rId2">
             <a:extLst>
               <a:ext uri="{28A0092B-C50C-407E-A947-70E740481C1C}">
@@ -3911,19 +4331,481 @@
               </a:ext>
             </a:extLst>
           </a:blip>
-          <a:srcRect/>
-          <a:stretch>
-            <a:fillRect/>
-          </a:stretch>
+          <a:srcRect l="43692" r="28527"/>
+          <a:stretch/>
         </p:blipFill>
         <p:spPr bwMode="auto">
           <a:xfrm>
-            <a:off x="2050759" y="4922686"/>
-            <a:ext cx="8090482" cy="1809843"/>
+            <a:off x="6783886" y="0"/>
+            <a:ext cx="5405066" cy="6857990"/>
           </a:xfrm>
-          <a:prstGeom prst="rect">
+          <a:custGeom>
             <a:avLst/>
-          </a:prstGeom>
+            <a:gdLst/>
+            <a:ahLst/>
+            <a:cxnLst/>
+            <a:rect l="l" t="t" r="r" b="b"/>
+            <a:pathLst>
+              <a:path w="5962785" h="6858000">
+                <a:moveTo>
+                  <a:pt x="1044839" y="0"/>
+                </a:moveTo>
+                <a:lnTo>
+                  <a:pt x="5962785" y="0"/>
+                </a:lnTo>
+                <a:lnTo>
+                  <a:pt x="5962785" y="6858000"/>
+                </a:lnTo>
+                <a:lnTo>
+                  <a:pt x="1469886" y="6858000"/>
+                </a:lnTo>
+                <a:lnTo>
+                  <a:pt x="1416006" y="6823984"/>
+                </a:lnTo>
+                <a:cubicBezTo>
+                  <a:pt x="1356767" y="6787940"/>
+                  <a:pt x="1296437" y="6755500"/>
+                  <a:pt x="1232473" y="6733873"/>
+                </a:cubicBezTo>
+                <a:cubicBezTo>
+                  <a:pt x="1145250" y="6705037"/>
+                  <a:pt x="1060933" y="6654575"/>
+                  <a:pt x="1075471" y="6503186"/>
+                </a:cubicBezTo>
+                <a:cubicBezTo>
+                  <a:pt x="1078378" y="6459932"/>
+                  <a:pt x="1055118" y="6427493"/>
+                  <a:pt x="1020229" y="6438306"/>
+                </a:cubicBezTo>
+                <a:cubicBezTo>
+                  <a:pt x="953358" y="6459932"/>
+                  <a:pt x="921375" y="6398656"/>
+                  <a:pt x="883579" y="6351798"/>
+                </a:cubicBezTo>
+                <a:cubicBezTo>
+                  <a:pt x="816707" y="6268895"/>
+                  <a:pt x="752743" y="6182387"/>
+                  <a:pt x="645167" y="6167969"/>
+                </a:cubicBezTo>
+                <a:cubicBezTo>
+                  <a:pt x="665519" y="6103088"/>
+                  <a:pt x="700408" y="6110298"/>
+                  <a:pt x="732391" y="6124716"/>
+                </a:cubicBezTo>
+                <a:cubicBezTo>
+                  <a:pt x="816707" y="6160761"/>
+                  <a:pt x="901023" y="6200410"/>
+                  <a:pt x="985339" y="6236455"/>
+                </a:cubicBezTo>
+                <a:cubicBezTo>
+                  <a:pt x="1040581" y="6258081"/>
+                  <a:pt x="1095822" y="6290522"/>
+                  <a:pt x="1168509" y="6265291"/>
+                </a:cubicBezTo>
+                <a:cubicBezTo>
+                  <a:pt x="1104545" y="6135530"/>
+                  <a:pt x="996969" y="6110298"/>
+                  <a:pt x="909746" y="6070649"/>
+                </a:cubicBezTo>
+                <a:cubicBezTo>
+                  <a:pt x="802169" y="6020185"/>
+                  <a:pt x="738206" y="5926470"/>
+                  <a:pt x="659704" y="5818335"/>
+                </a:cubicBezTo>
+                <a:cubicBezTo>
+                  <a:pt x="738206" y="5789500"/>
+                  <a:pt x="787632" y="5868798"/>
+                  <a:pt x="851597" y="5865193"/>
+                </a:cubicBezTo>
+                <a:cubicBezTo>
+                  <a:pt x="854504" y="5854380"/>
+                  <a:pt x="860319" y="5832753"/>
+                  <a:pt x="860319" y="5832753"/>
+                </a:cubicBezTo>
+                <a:cubicBezTo>
+                  <a:pt x="755650" y="5775081"/>
+                  <a:pt x="709132" y="5666947"/>
+                  <a:pt x="691686" y="5533581"/>
+                </a:cubicBezTo>
+                <a:cubicBezTo>
+                  <a:pt x="685872" y="5465095"/>
+                  <a:pt x="648075" y="5443468"/>
+                  <a:pt x="610278" y="5411029"/>
+                </a:cubicBezTo>
+                <a:cubicBezTo>
+                  <a:pt x="482350" y="5299289"/>
+                  <a:pt x="345700" y="5198364"/>
+                  <a:pt x="238123" y="5046976"/>
+                </a:cubicBezTo>
+                <a:cubicBezTo>
+                  <a:pt x="363144" y="5064998"/>
+                  <a:pt x="461997" y="5165924"/>
+                  <a:pt x="592833" y="5209177"/>
+                </a:cubicBezTo>
+                <a:cubicBezTo>
+                  <a:pt x="488165" y="5043371"/>
+                  <a:pt x="351514" y="4956864"/>
+                  <a:pt x="226494" y="4855939"/>
+                </a:cubicBezTo>
+                <a:cubicBezTo>
+                  <a:pt x="168344" y="4809081"/>
+                  <a:pt x="116011" y="4751408"/>
+                  <a:pt x="49139" y="4726177"/>
+                </a:cubicBezTo>
+                <a:cubicBezTo>
+                  <a:pt x="25879" y="4718968"/>
+                  <a:pt x="-14825" y="4700947"/>
+                  <a:pt x="5527" y="4650483"/>
+                </a:cubicBezTo>
+                <a:cubicBezTo>
+                  <a:pt x="22972" y="4607230"/>
+                  <a:pt x="54954" y="4621648"/>
+                  <a:pt x="84029" y="4632460"/>
+                </a:cubicBezTo>
+                <a:cubicBezTo>
+                  <a:pt x="153807" y="4661296"/>
+                  <a:pt x="229401" y="4661296"/>
+                  <a:pt x="325347" y="4661296"/>
+                </a:cubicBezTo>
+                <a:cubicBezTo>
+                  <a:pt x="243939" y="4524326"/>
+                  <a:pt x="95658" y="4567580"/>
+                  <a:pt x="25879" y="4423401"/>
+                </a:cubicBezTo>
+                <a:cubicBezTo>
+                  <a:pt x="113103" y="4398170"/>
+                  <a:pt x="179975" y="4448632"/>
+                  <a:pt x="249753" y="4459446"/>
+                </a:cubicBezTo>
+                <a:cubicBezTo>
+                  <a:pt x="313718" y="4470259"/>
+                  <a:pt x="328254" y="4445028"/>
+                  <a:pt x="313718" y="4365729"/>
+                </a:cubicBezTo>
+                <a:cubicBezTo>
+                  <a:pt x="290458" y="4243177"/>
+                  <a:pt x="325347" y="4181900"/>
+                  <a:pt x="418386" y="4214341"/>
+                </a:cubicBezTo>
+                <a:cubicBezTo>
+                  <a:pt x="505609" y="4246781"/>
+                  <a:pt x="514332" y="4199922"/>
+                  <a:pt x="491072" y="4131438"/>
+                </a:cubicBezTo>
+                <a:cubicBezTo>
+                  <a:pt x="456183" y="4030512"/>
+                  <a:pt x="493979" y="3951214"/>
+                  <a:pt x="520147" y="3864706"/>
+                </a:cubicBezTo>
+                <a:cubicBezTo>
+                  <a:pt x="560851" y="3734945"/>
+                  <a:pt x="543407" y="3670064"/>
+                  <a:pt x="459090" y="3572743"/>
+                </a:cubicBezTo>
+                <a:cubicBezTo>
+                  <a:pt x="409664" y="3518676"/>
+                  <a:pt x="360236" y="3471818"/>
+                  <a:pt x="290458" y="3424959"/>
+                </a:cubicBezTo>
+                <a:cubicBezTo>
+                  <a:pt x="450368" y="3399728"/>
+                  <a:pt x="284643" y="3313221"/>
+                  <a:pt x="339884" y="3259153"/>
+                </a:cubicBezTo>
+                <a:cubicBezTo>
+                  <a:pt x="453275" y="3237527"/>
+                  <a:pt x="543407" y="3410542"/>
+                  <a:pt x="697501" y="3360078"/>
+                </a:cubicBezTo>
+                <a:cubicBezTo>
+                  <a:pt x="511425" y="3212294"/>
+                  <a:pt x="302087" y="3165436"/>
+                  <a:pt x="165437" y="2967190"/>
+                </a:cubicBezTo>
+                <a:cubicBezTo>
+                  <a:pt x="197419" y="2923937"/>
+                  <a:pt x="229401" y="2967190"/>
+                  <a:pt x="255568" y="2949167"/>
+                </a:cubicBezTo>
+                <a:cubicBezTo>
+                  <a:pt x="255568" y="2938354"/>
+                  <a:pt x="560851" y="3006840"/>
+                  <a:pt x="578296" y="2725691"/>
+                </a:cubicBezTo>
+                <a:cubicBezTo>
+                  <a:pt x="584111" y="2725691"/>
+                  <a:pt x="589926" y="2725691"/>
+                  <a:pt x="595740" y="2714876"/>
+                </a:cubicBezTo>
+                <a:cubicBezTo>
+                  <a:pt x="627722" y="2675228"/>
+                  <a:pt x="598648" y="2581510"/>
+                  <a:pt x="650982" y="2574301"/>
+                </a:cubicBezTo>
+                <a:cubicBezTo>
+                  <a:pt x="709132" y="2567092"/>
+                  <a:pt x="764373" y="2534653"/>
+                  <a:pt x="825429" y="2552674"/>
+                </a:cubicBezTo>
+                <a:cubicBezTo>
+                  <a:pt x="871949" y="2567092"/>
+                  <a:pt x="921375" y="2585115"/>
+                  <a:pt x="970802" y="2585115"/>
+                </a:cubicBezTo>
+                <a:cubicBezTo>
+                  <a:pt x="1023136" y="2585115"/>
+                  <a:pt x="1095822" y="2707668"/>
+                  <a:pt x="1127805" y="2545465"/>
+                </a:cubicBezTo>
+                <a:cubicBezTo>
+                  <a:pt x="1127805" y="2538257"/>
+                  <a:pt x="1217936" y="2556280"/>
+                  <a:pt x="1267362" y="2563488"/>
+                </a:cubicBezTo>
+                <a:cubicBezTo>
+                  <a:pt x="1308067" y="2570698"/>
+                  <a:pt x="1357494" y="2603137"/>
+                  <a:pt x="1386568" y="2538257"/>
+                </a:cubicBezTo>
+                <a:cubicBezTo>
+                  <a:pt x="1401105" y="2498607"/>
+                  <a:pt x="1331326" y="2426518"/>
+                  <a:pt x="1270270" y="2419309"/>
+                </a:cubicBezTo>
+                <a:cubicBezTo>
+                  <a:pt x="1215029" y="2412101"/>
+                  <a:pt x="1159787" y="2404892"/>
+                  <a:pt x="1107453" y="2419309"/>
+                </a:cubicBezTo>
+                <a:cubicBezTo>
+                  <a:pt x="1043489" y="2437331"/>
+                  <a:pt x="1008599" y="2408495"/>
+                  <a:pt x="991154" y="2343615"/>
+                </a:cubicBezTo>
+                <a:cubicBezTo>
+                  <a:pt x="970802" y="2275131"/>
+                  <a:pt x="933005" y="2239085"/>
+                  <a:pt x="880671" y="2206645"/>
+                </a:cubicBezTo>
+                <a:cubicBezTo>
+                  <a:pt x="752743" y="2127346"/>
+                  <a:pt x="630630" y="2033629"/>
+                  <a:pt x="491072" y="1986771"/>
+                </a:cubicBezTo>
+                <a:cubicBezTo>
+                  <a:pt x="464905" y="1979562"/>
+                  <a:pt x="432923" y="1965145"/>
+                  <a:pt x="421293" y="1903868"/>
+                </a:cubicBezTo>
+                <a:cubicBezTo>
+                  <a:pt x="799262" y="1997584"/>
+                  <a:pt x="1142342" y="2239085"/>
+                  <a:pt x="1531941" y="2224667"/>
+                </a:cubicBezTo>
+                <a:cubicBezTo>
+                  <a:pt x="1427272" y="2148974"/>
+                  <a:pt x="1302252" y="2145369"/>
+                  <a:pt x="1188861" y="2091301"/>
+                </a:cubicBezTo>
+                <a:cubicBezTo>
+                  <a:pt x="1270270" y="2051652"/>
+                  <a:pt x="1345864" y="2094906"/>
+                  <a:pt x="1421458" y="2116532"/>
+                </a:cubicBezTo>
+                <a:cubicBezTo>
+                  <a:pt x="1485422" y="2134554"/>
+                  <a:pt x="1543571" y="2138160"/>
+                  <a:pt x="1549386" y="2026420"/>
+                </a:cubicBezTo>
+                <a:cubicBezTo>
+                  <a:pt x="1549386" y="2015607"/>
+                  <a:pt x="1549386" y="2008398"/>
+                  <a:pt x="1549386" y="1997584"/>
+                </a:cubicBezTo>
+                <a:cubicBezTo>
+                  <a:pt x="1526126" y="1950727"/>
+                  <a:pt x="1494144" y="1929099"/>
+                  <a:pt x="1453440" y="1914682"/>
+                </a:cubicBezTo>
+                <a:cubicBezTo>
+                  <a:pt x="1430180" y="1907473"/>
+                  <a:pt x="1398198" y="1893056"/>
+                  <a:pt x="1398198" y="1860614"/>
+                </a:cubicBezTo>
+                <a:cubicBezTo>
+                  <a:pt x="1401105" y="1738063"/>
+                  <a:pt x="1322604" y="1702018"/>
+                  <a:pt x="1247011" y="1665972"/>
+                </a:cubicBezTo>
+                <a:cubicBezTo>
+                  <a:pt x="1287715" y="1604696"/>
+                  <a:pt x="1322604" y="1647950"/>
+                  <a:pt x="1354586" y="1644345"/>
+                </a:cubicBezTo>
+                <a:cubicBezTo>
+                  <a:pt x="1374939" y="1640741"/>
+                  <a:pt x="1395290" y="1637138"/>
+                  <a:pt x="1395290" y="1604696"/>
+                </a:cubicBezTo>
+                <a:cubicBezTo>
+                  <a:pt x="1395290" y="1579465"/>
+                  <a:pt x="1386568" y="1547025"/>
+                  <a:pt x="1366216" y="1547025"/>
+                </a:cubicBezTo>
+                <a:cubicBezTo>
+                  <a:pt x="1238288" y="1543420"/>
+                  <a:pt x="1165601" y="1370405"/>
+                  <a:pt x="1031858" y="1370405"/>
+                </a:cubicBezTo>
+                <a:cubicBezTo>
+                  <a:pt x="950450" y="1370405"/>
+                  <a:pt x="1072563" y="1273083"/>
+                  <a:pt x="1005692" y="1233435"/>
+                </a:cubicBezTo>
+                <a:cubicBezTo>
+                  <a:pt x="991154" y="1222621"/>
+                  <a:pt x="1046396" y="1208203"/>
+                  <a:pt x="1069655" y="1211808"/>
+                </a:cubicBezTo>
+                <a:cubicBezTo>
+                  <a:pt x="1092915" y="1215412"/>
+                  <a:pt x="1113268" y="1240644"/>
+                  <a:pt x="1142342" y="1222621"/>
+                </a:cubicBezTo>
+                <a:cubicBezTo>
+                  <a:pt x="1156879" y="1157741"/>
+                  <a:pt x="1119082" y="1132510"/>
+                  <a:pt x="1084193" y="1114487"/>
+                </a:cubicBezTo>
+                <a:cubicBezTo>
+                  <a:pt x="1008599" y="1071234"/>
+                  <a:pt x="933005" y="1020771"/>
+                  <a:pt x="848689" y="1006353"/>
+                </a:cubicBezTo>
+                <a:cubicBezTo>
+                  <a:pt x="819615" y="1002748"/>
+                  <a:pt x="802169" y="984726"/>
+                  <a:pt x="805077" y="948681"/>
+                </a:cubicBezTo>
+                <a:cubicBezTo>
+                  <a:pt x="810892" y="901822"/>
+                  <a:pt x="839967" y="916240"/>
+                  <a:pt x="863226" y="919844"/>
+                </a:cubicBezTo>
+                <a:cubicBezTo>
+                  <a:pt x="877764" y="923450"/>
+                  <a:pt x="892301" y="934263"/>
+                  <a:pt x="906838" y="909031"/>
+                </a:cubicBezTo>
+                <a:cubicBezTo>
+                  <a:pt x="566666" y="653113"/>
+                  <a:pt x="386404" y="667532"/>
+                  <a:pt x="5527" y="458471"/>
+                </a:cubicBezTo>
+                <a:cubicBezTo>
+                  <a:pt x="89843" y="418822"/>
+                  <a:pt x="150900" y="447658"/>
+                  <a:pt x="209049" y="454867"/>
+                </a:cubicBezTo>
+                <a:cubicBezTo>
+                  <a:pt x="354422" y="472890"/>
+                  <a:pt x="264290" y="505329"/>
+                  <a:pt x="409664" y="526956"/>
+                </a:cubicBezTo>
+                <a:cubicBezTo>
+                  <a:pt x="479443" y="537770"/>
+                  <a:pt x="543407" y="573815"/>
+                  <a:pt x="621908" y="516143"/>
+                </a:cubicBezTo>
+                <a:cubicBezTo>
+                  <a:pt x="674242" y="476494"/>
+                  <a:pt x="758558" y="519747"/>
+                  <a:pt x="822522" y="552188"/>
+                </a:cubicBezTo>
+                <a:cubicBezTo>
+                  <a:pt x="874856" y="581024"/>
+                  <a:pt x="927190" y="588232"/>
+                  <a:pt x="996969" y="552188"/>
+                </a:cubicBezTo>
+                <a:cubicBezTo>
+                  <a:pt x="933005" y="530562"/>
+                  <a:pt x="883579" y="512539"/>
+                  <a:pt x="834151" y="498120"/>
+                </a:cubicBezTo>
+                <a:cubicBezTo>
+                  <a:pt x="793447" y="487307"/>
+                  <a:pt x="770187" y="462076"/>
+                  <a:pt x="773095" y="408008"/>
+                </a:cubicBezTo>
+                <a:cubicBezTo>
+                  <a:pt x="773095" y="379172"/>
+                  <a:pt x="764373" y="339523"/>
+                  <a:pt x="793447" y="325106"/>
+                </a:cubicBezTo>
+                <a:cubicBezTo>
+                  <a:pt x="816707" y="310688"/>
+                  <a:pt x="848689" y="325106"/>
+                  <a:pt x="860319" y="350336"/>
+                </a:cubicBezTo>
+                <a:cubicBezTo>
+                  <a:pt x="874856" y="397195"/>
+                  <a:pt x="889393" y="440449"/>
+                  <a:pt x="938820" y="444054"/>
+                </a:cubicBezTo>
+                <a:cubicBezTo>
+                  <a:pt x="1005692" y="451262"/>
+                  <a:pt x="967894" y="422426"/>
+                  <a:pt x="956265" y="386381"/>
+                </a:cubicBezTo>
+                <a:cubicBezTo>
+                  <a:pt x="944635" y="346733"/>
+                  <a:pt x="979525" y="335919"/>
+                  <a:pt x="1002784" y="343127"/>
+                </a:cubicBezTo>
+                <a:cubicBezTo>
+                  <a:pt x="1090008" y="375569"/>
+                  <a:pt x="1180139" y="317897"/>
+                  <a:pt x="1270270" y="364755"/>
+                </a:cubicBezTo>
+                <a:cubicBezTo>
+                  <a:pt x="1247011" y="249411"/>
+                  <a:pt x="1197583" y="198949"/>
+                  <a:pt x="1092915" y="180926"/>
+                </a:cubicBezTo>
+                <a:cubicBezTo>
+                  <a:pt x="1055118" y="177322"/>
+                  <a:pt x="1014414" y="184530"/>
+                  <a:pt x="979525" y="152090"/>
+                </a:cubicBezTo>
+                <a:cubicBezTo>
+                  <a:pt x="959172" y="134068"/>
+                  <a:pt x="938820" y="112441"/>
+                  <a:pt x="953358" y="76396"/>
+                </a:cubicBezTo>
+                <a:cubicBezTo>
+                  <a:pt x="962080" y="51165"/>
+                  <a:pt x="985339" y="51165"/>
+                  <a:pt x="1005692" y="58373"/>
+                </a:cubicBezTo>
+                <a:cubicBezTo>
+                  <a:pt x="1090008" y="98023"/>
+                  <a:pt x="1180139" y="108837"/>
+                  <a:pt x="1267362" y="123254"/>
+                </a:cubicBezTo>
+                <a:cubicBezTo>
+                  <a:pt x="1281900" y="126859"/>
+                  <a:pt x="1296437" y="134068"/>
+                  <a:pt x="1310975" y="98023"/>
+                </a:cubicBezTo>
+                <a:cubicBezTo>
+                  <a:pt x="1260095" y="81803"/>
+                  <a:pt x="1209941" y="62879"/>
+                  <a:pt x="1159787" y="43505"/>
+                </a:cubicBezTo>
+                <a:close/>
+              </a:path>
+            </a:pathLst>
+          </a:custGeom>
           <a:noFill/>
           <a:extLst>
             <a:ext uri="{909E8E84-426E-40DD-AFC4-6F175D3DCCD1}">
